--- a/Slides/PH223_Lecture_31.pptx
+++ b/Slides/PH223_Lecture_31.pptx
@@ -165,7 +165,7 @@
 <file path=ppt/revisionInfo.xml><?xml version="1.0" encoding="utf-8"?>
 <p1510:revInfo xmlns:a="http://schemas.openxmlformats.org/drawingml/2006/main" xmlns:r="http://schemas.openxmlformats.org/officeDocument/2006/relationships" xmlns:p1510="http://schemas.microsoft.com/office/powerpoint/2015/10/main">
   <p1510:revLst>
-    <p1510:client id="{FE80AF33-611C-4079-BE30-CC7B0B7FFD3F}" v="88" dt="2023-10-31T17:17:54.519"/>
+    <p1510:client id="{B7E357F7-A34D-4677-8D90-378655785B69}" v="7" dt="2024-03-05T21:33:26.631"/>
   </p1510:revLst>
 </p1510:revInfo>
 </file>
@@ -948,6 +948,45 @@
       </pc:sldChg>
     </pc:docChg>
   </pc:docChgLst>
+  <pc:docChgLst>
+    <pc:chgData name="Lines, Todd" userId="afaf7c3a-e8aa-4568-882a-02ad8f9e19b0" providerId="ADAL" clId="{B7E357F7-A34D-4677-8D90-378655785B69}"/>
+    <pc:docChg chg="custSel modSld">
+      <pc:chgData name="Lines, Todd" userId="afaf7c3a-e8aa-4568-882a-02ad8f9e19b0" providerId="ADAL" clId="{B7E357F7-A34D-4677-8D90-378655785B69}" dt="2024-03-05T21:33:27.399" v="8"/>
+      <pc:docMkLst>
+        <pc:docMk/>
+      </pc:docMkLst>
+      <pc:sldChg chg="modSp mod">
+        <pc:chgData name="Lines, Todd" userId="afaf7c3a-e8aa-4568-882a-02ad8f9e19b0" providerId="ADAL" clId="{B7E357F7-A34D-4677-8D90-378655785B69}" dt="2024-03-05T21:33:08.511" v="6" actId="6549"/>
+        <pc:sldMkLst>
+          <pc:docMk/>
+          <pc:sldMk cId="319696023" sldId="1429"/>
+        </pc:sldMkLst>
+        <pc:spChg chg="mod">
+          <ac:chgData name="Lines, Todd" userId="afaf7c3a-e8aa-4568-882a-02ad8f9e19b0" providerId="ADAL" clId="{B7E357F7-A34D-4677-8D90-378655785B69}" dt="2024-03-05T21:33:08.511" v="6" actId="6549"/>
+          <ac:spMkLst>
+            <pc:docMk/>
+            <pc:sldMk cId="319696023" sldId="1429"/>
+            <ac:spMk id="3" creationId="{4203800A-0213-60CE-C570-ED6C86F79060}"/>
+          </ac:spMkLst>
+        </pc:spChg>
+      </pc:sldChg>
+      <pc:sldChg chg="modSp mod">
+        <pc:chgData name="Lines, Todd" userId="afaf7c3a-e8aa-4568-882a-02ad8f9e19b0" providerId="ADAL" clId="{B7E357F7-A34D-4677-8D90-378655785B69}" dt="2024-03-05T21:33:27.399" v="8"/>
+        <pc:sldMkLst>
+          <pc:docMk/>
+          <pc:sldMk cId="3882487717" sldId="1430"/>
+        </pc:sldMkLst>
+        <pc:spChg chg="mod">
+          <ac:chgData name="Lines, Todd" userId="afaf7c3a-e8aa-4568-882a-02ad8f9e19b0" providerId="ADAL" clId="{B7E357F7-A34D-4677-8D90-378655785B69}" dt="2024-03-05T21:33:27.399" v="8"/>
+          <ac:spMkLst>
+            <pc:docMk/>
+            <pc:sldMk cId="3882487717" sldId="1430"/>
+            <ac:spMk id="3" creationId="{4203800A-0213-60CE-C570-ED6C86F79060}"/>
+          </ac:spMkLst>
+        </pc:spChg>
+      </pc:sldChg>
+    </pc:docChg>
+  </pc:docChgLst>
 </pc:chgInfo>
 </file>
 
@@ -1033,7 +1072,7 @@
           <a:p>
             <a:fld id="{DB223F9D-5CD8-4198-9BB2-8E6B4B01C6CF}" type="datetimeFigureOut">
               <a:rPr lang="en-US" smtClean="0"/>
-              <a:t>10/31/2023</a:t>
+              <a:t>3/5/2024</a:t>
             </a:fld>
             <a:endParaRPr lang="en-US"/>
           </a:p>
@@ -2696,7 +2735,7 @@
             <a:fld id="{BEA18E4C-3238-4546-BDEF-7B07C1CB9924}" type="datetimeFigureOut">
               <a:rPr lang="en-US" smtClean="0"/>
               <a:pPr/>
-              <a:t>10/31/2023</a:t>
+              <a:t>3/5/2024</a:t>
             </a:fld>
             <a:endParaRPr lang="en-US"/>
           </a:p>
@@ -2861,7 +2900,7 @@
             <a:fld id="{BEA18E4C-3238-4546-BDEF-7B07C1CB9924}" type="datetimeFigureOut">
               <a:rPr lang="en-US" smtClean="0"/>
               <a:pPr/>
-              <a:t>10/31/2023</a:t>
+              <a:t>3/5/2024</a:t>
             </a:fld>
             <a:endParaRPr lang="en-US"/>
           </a:p>
@@ -3036,7 +3075,7 @@
             <a:fld id="{BEA18E4C-3238-4546-BDEF-7B07C1CB9924}" type="datetimeFigureOut">
               <a:rPr lang="en-US" smtClean="0"/>
               <a:pPr/>
-              <a:t>10/31/2023</a:t>
+              <a:t>3/5/2024</a:t>
             </a:fld>
             <a:endParaRPr lang="en-US"/>
           </a:p>
@@ -3201,7 +3240,7 @@
             <a:fld id="{BEA18E4C-3238-4546-BDEF-7B07C1CB9924}" type="datetimeFigureOut">
               <a:rPr lang="en-US" smtClean="0"/>
               <a:pPr/>
-              <a:t>10/31/2023</a:t>
+              <a:t>3/5/2024</a:t>
             </a:fld>
             <a:endParaRPr lang="en-US"/>
           </a:p>
@@ -3443,7 +3482,7 @@
             <a:fld id="{BEA18E4C-3238-4546-BDEF-7B07C1CB9924}" type="datetimeFigureOut">
               <a:rPr lang="en-US" smtClean="0"/>
               <a:pPr/>
-              <a:t>10/31/2023</a:t>
+              <a:t>3/5/2024</a:t>
             </a:fld>
             <a:endParaRPr lang="en-US"/>
           </a:p>
@@ -3725,7 +3764,7 @@
             <a:fld id="{BEA18E4C-3238-4546-BDEF-7B07C1CB9924}" type="datetimeFigureOut">
               <a:rPr lang="en-US" smtClean="0"/>
               <a:pPr/>
-              <a:t>10/31/2023</a:t>
+              <a:t>3/5/2024</a:t>
             </a:fld>
             <a:endParaRPr lang="en-US"/>
           </a:p>
@@ -4141,7 +4180,7 @@
             <a:fld id="{BEA18E4C-3238-4546-BDEF-7B07C1CB9924}" type="datetimeFigureOut">
               <a:rPr lang="en-US" smtClean="0"/>
               <a:pPr/>
-              <a:t>10/31/2023</a:t>
+              <a:t>3/5/2024</a:t>
             </a:fld>
             <a:endParaRPr lang="en-US"/>
           </a:p>
@@ -4255,7 +4294,7 @@
             <a:fld id="{BEA18E4C-3238-4546-BDEF-7B07C1CB9924}" type="datetimeFigureOut">
               <a:rPr lang="en-US" smtClean="0"/>
               <a:pPr/>
-              <a:t>10/31/2023</a:t>
+              <a:t>3/5/2024</a:t>
             </a:fld>
             <a:endParaRPr lang="en-US"/>
           </a:p>
@@ -4347,7 +4386,7 @@
             <a:fld id="{BEA18E4C-3238-4546-BDEF-7B07C1CB9924}" type="datetimeFigureOut">
               <a:rPr lang="en-US" smtClean="0"/>
               <a:pPr/>
-              <a:t>10/31/2023</a:t>
+              <a:t>3/5/2024</a:t>
             </a:fld>
             <a:endParaRPr lang="en-US"/>
           </a:p>
@@ -4619,7 +4658,7 @@
             <a:fld id="{BEA18E4C-3238-4546-BDEF-7B07C1CB9924}" type="datetimeFigureOut">
               <a:rPr lang="en-US" smtClean="0"/>
               <a:pPr/>
-              <a:t>10/31/2023</a:t>
+              <a:t>3/5/2024</a:t>
             </a:fld>
             <a:endParaRPr lang="en-US"/>
           </a:p>
@@ -4868,7 +4907,7 @@
             <a:fld id="{BEA18E4C-3238-4546-BDEF-7B07C1CB9924}" type="datetimeFigureOut">
               <a:rPr lang="en-US" smtClean="0"/>
               <a:pPr/>
-              <a:t>10/31/2023</a:t>
+              <a:t>3/5/2024</a:t>
             </a:fld>
             <a:endParaRPr lang="en-US"/>
           </a:p>
@@ -5076,7 +5115,7 @@
             <a:fld id="{BEA18E4C-3238-4546-BDEF-7B07C1CB9924}" type="datetimeFigureOut">
               <a:rPr lang="en-US" smtClean="0"/>
               <a:pPr/>
-              <a:t>10/31/2023</a:t>
+              <a:t>3/5/2024</a:t>
             </a:fld>
             <a:endParaRPr lang="en-US"/>
           </a:p>
@@ -6979,8 +7018,8 @@
           </a:p>
         </p:txBody>
       </p:sp>
-      <mc:AlternateContent xmlns:mc="http://schemas.openxmlformats.org/markup-compatibility/2006">
-        <mc:Choice xmlns:a14="http://schemas.microsoft.com/office/drawing/2010/main" Requires="a14">
+      <mc:AlternateContent xmlns:mc="http://schemas.openxmlformats.org/markup-compatibility/2006" xmlns:a14="http://schemas.microsoft.com/office/drawing/2010/main">
+        <mc:Choice Requires="a14">
           <p:sp>
             <p:nvSpPr>
               <p:cNvPr id="3" name="Content Placeholder 2">
@@ -7199,7 +7238,7 @@
             </p:txBody>
           </p:sp>
         </mc:Choice>
-        <mc:Fallback>
+        <mc:Fallback xmlns="">
           <p:sp>
             <p:nvSpPr>
               <p:cNvPr id="3" name="Content Placeholder 2">
@@ -9530,6 +9569,113 @@
                     </m:f>
                   </m:oMath>
                 </a14:m>
+                <a:endParaRPr lang="en-US" dirty="0"/>
+              </a:p>
+              <a:p>
+                <a:pPr marL="514350" indent="-514350">
+                  <a:buFont typeface="+mj-lt"/>
+                  <a:buAutoNum type="alphaLcParenR"/>
+                </a:pPr>
+                <a:r>
+                  <a:rPr lang="en-US" dirty="0"/>
+                  <a:t> </a:t>
+                </a:r>
+                <a14:m>
+                  <m:oMath xmlns:m="http://schemas.openxmlformats.org/officeDocument/2006/math">
+                    <m:f>
+                      <m:fPr>
+                        <m:ctrlPr>
+                          <a:rPr lang="en-US" i="1" smtClean="0">
+                            <a:latin typeface="Cambria Math" panose="02040503050406030204" pitchFamily="18" charset="0"/>
+                          </a:rPr>
+                        </m:ctrlPr>
+                      </m:fPr>
+                      <m:num>
+                        <m:r>
+                          <a:rPr lang="en-US" b="0" i="1" smtClean="0">
+                            <a:latin typeface="Cambria Math" panose="02040503050406030204" pitchFamily="18" charset="0"/>
+                          </a:rPr>
+                          <m:t>1</m:t>
+                        </m:r>
+                      </m:num>
+                      <m:den>
+                        <m:r>
+                          <a:rPr lang="en-US" b="0" i="1" smtClean="0">
+                            <a:latin typeface="Cambria Math" panose="02040503050406030204" pitchFamily="18" charset="0"/>
+                          </a:rPr>
+                          <m:t>4</m:t>
+                        </m:r>
+                        <m:r>
+                          <a:rPr lang="en-US" b="0" i="1" smtClean="0">
+                            <a:latin typeface="Cambria Math" panose="02040503050406030204" pitchFamily="18" charset="0"/>
+                            <a:ea typeface="Cambria Math" panose="02040503050406030204" pitchFamily="18" charset="0"/>
+                          </a:rPr>
+                          <m:t>𝜋</m:t>
+                        </m:r>
+                        <m:sSub>
+                          <m:sSubPr>
+                            <m:ctrlPr>
+                              <a:rPr lang="en-US" b="0" i="1" smtClean="0">
+                                <a:latin typeface="Cambria Math" panose="02040503050406030204" pitchFamily="18" charset="0"/>
+                                <a:ea typeface="Cambria Math" panose="02040503050406030204" pitchFamily="18" charset="0"/>
+                              </a:rPr>
+                            </m:ctrlPr>
+                          </m:sSubPr>
+                          <m:e>
+                            <m:r>
+                              <a:rPr lang="en-US" b="0" i="1" smtClean="0">
+                                <a:latin typeface="Cambria Math" panose="02040503050406030204" pitchFamily="18" charset="0"/>
+                                <a:ea typeface="Cambria Math" panose="02040503050406030204" pitchFamily="18" charset="0"/>
+                              </a:rPr>
+                              <m:t>𝜖</m:t>
+                            </m:r>
+                          </m:e>
+                          <m:sub>
+                            <m:r>
+                              <a:rPr lang="en-US" b="0" i="1" smtClean="0">
+                                <a:latin typeface="Cambria Math" panose="02040503050406030204" pitchFamily="18" charset="0"/>
+                                <a:ea typeface="Cambria Math" panose="02040503050406030204" pitchFamily="18" charset="0"/>
+                              </a:rPr>
+                              <m:t>𝑜</m:t>
+                            </m:r>
+                          </m:sub>
+                        </m:sSub>
+                      </m:den>
+                    </m:f>
+                    <m:f>
+                      <m:fPr>
+                        <m:ctrlPr>
+                          <a:rPr lang="en-US" i="1" smtClean="0">
+                            <a:latin typeface="Cambria Math" panose="02040503050406030204" pitchFamily="18" charset="0"/>
+                          </a:rPr>
+                        </m:ctrlPr>
+                      </m:fPr>
+                      <m:num>
+                        <m:r>
+                          <a:rPr lang="en-US" b="0" i="1" smtClean="0">
+                            <a:latin typeface="Cambria Math" panose="02040503050406030204" pitchFamily="18" charset="0"/>
+                          </a:rPr>
+                          <m:t>𝑄</m:t>
+                        </m:r>
+                      </m:num>
+                      <m:den>
+                        <m:r>
+                          <a:rPr lang="en-US" b="0" i="1" smtClean="0">
+                            <a:latin typeface="Cambria Math" panose="02040503050406030204" pitchFamily="18" charset="0"/>
+                          </a:rPr>
+                          <m:t>𝑟</m:t>
+                        </m:r>
+                      </m:den>
+                    </m:f>
+                  </m:oMath>
+                </a14:m>
+                <a:endParaRPr lang="en-US" dirty="0"/>
+              </a:p>
+              <a:p>
+                <a:pPr marL="514350" indent="-514350">
+                  <a:buFont typeface="+mj-lt"/>
+                  <a:buAutoNum type="alphaLcParenR"/>
+                </a:pPr>
                 <a:endParaRPr lang="en-US" dirty="0"/>
               </a:p>
             </p:txBody>
@@ -13759,8 +13905,8 @@
           </a:p>
         </p:txBody>
       </p:sp>
-      <mc:AlternateContent xmlns:mc="http://schemas.openxmlformats.org/markup-compatibility/2006">
-        <mc:Choice xmlns:a14="http://schemas.microsoft.com/office/drawing/2010/main" Requires="a14">
+      <mc:AlternateContent xmlns:mc="http://schemas.openxmlformats.org/markup-compatibility/2006" xmlns:a14="http://schemas.microsoft.com/office/drawing/2010/main">
+        <mc:Choice Requires="a14">
           <p:sp>
             <p:nvSpPr>
               <p:cNvPr id="3" name="Content Placeholder 2">
@@ -14129,7 +14275,7 @@
             </p:txBody>
           </p:sp>
         </mc:Choice>
-        <mc:Fallback>
+        <mc:Fallback xmlns="">
           <p:sp>
             <p:nvSpPr>
               <p:cNvPr id="3" name="Content Placeholder 2">
@@ -16290,7 +16436,9 @@
             </p:nvSpPr>
             <p:spPr/>
             <p:txBody>
-              <a:bodyPr/>
+              <a:bodyPr>
+                <a:normAutofit fontScale="92500"/>
+              </a:bodyPr>
               <a:lstStyle/>
               <a:p>
                 <a:pPr marL="0" indent="0">
@@ -16558,6 +16706,106 @@
                   <a:buFont typeface="+mj-lt"/>
                   <a:buAutoNum type="alphaLcParenR"/>
                 </a:pPr>
+                <a:r>
+                  <a:rPr lang="en-US" dirty="0"/>
+                  <a:t> </a:t>
+                </a:r>
+                <a14:m>
+                  <m:oMath xmlns:m="http://schemas.openxmlformats.org/officeDocument/2006/math">
+                    <m:f>
+                      <m:fPr>
+                        <m:ctrlPr>
+                          <a:rPr lang="en-US" i="1" smtClean="0">
+                            <a:latin typeface="Cambria Math" panose="02040503050406030204" pitchFamily="18" charset="0"/>
+                          </a:rPr>
+                        </m:ctrlPr>
+                      </m:fPr>
+                      <m:num>
+                        <m:r>
+                          <a:rPr lang="en-US" b="0" i="1" smtClean="0">
+                            <a:latin typeface="Cambria Math" panose="02040503050406030204" pitchFamily="18" charset="0"/>
+                          </a:rPr>
+                          <m:t>1</m:t>
+                        </m:r>
+                      </m:num>
+                      <m:den>
+                        <m:r>
+                          <a:rPr lang="en-US" b="0" i="1" smtClean="0">
+                            <a:latin typeface="Cambria Math" panose="02040503050406030204" pitchFamily="18" charset="0"/>
+                          </a:rPr>
+                          <m:t>4</m:t>
+                        </m:r>
+                        <m:r>
+                          <a:rPr lang="en-US" b="0" i="1" smtClean="0">
+                            <a:latin typeface="Cambria Math" panose="02040503050406030204" pitchFamily="18" charset="0"/>
+                            <a:ea typeface="Cambria Math" panose="02040503050406030204" pitchFamily="18" charset="0"/>
+                          </a:rPr>
+                          <m:t>𝜋</m:t>
+                        </m:r>
+                        <m:sSub>
+                          <m:sSubPr>
+                            <m:ctrlPr>
+                              <a:rPr lang="en-US" b="0" i="1" smtClean="0">
+                                <a:latin typeface="Cambria Math" panose="02040503050406030204" pitchFamily="18" charset="0"/>
+                                <a:ea typeface="Cambria Math" panose="02040503050406030204" pitchFamily="18" charset="0"/>
+                              </a:rPr>
+                            </m:ctrlPr>
+                          </m:sSubPr>
+                          <m:e>
+                            <m:r>
+                              <a:rPr lang="en-US" b="0" i="1" smtClean="0">
+                                <a:latin typeface="Cambria Math" panose="02040503050406030204" pitchFamily="18" charset="0"/>
+                                <a:ea typeface="Cambria Math" panose="02040503050406030204" pitchFamily="18" charset="0"/>
+                              </a:rPr>
+                              <m:t>𝜖</m:t>
+                            </m:r>
+                          </m:e>
+                          <m:sub>
+                            <m:r>
+                              <a:rPr lang="en-US" b="0" i="1" smtClean="0">
+                                <a:latin typeface="Cambria Math" panose="02040503050406030204" pitchFamily="18" charset="0"/>
+                                <a:ea typeface="Cambria Math" panose="02040503050406030204" pitchFamily="18" charset="0"/>
+                              </a:rPr>
+                              <m:t>𝑜</m:t>
+                            </m:r>
+                          </m:sub>
+                        </m:sSub>
+                      </m:den>
+                    </m:f>
+                    <m:f>
+                      <m:fPr>
+                        <m:ctrlPr>
+                          <a:rPr lang="en-US" i="1" smtClean="0">
+                            <a:latin typeface="Cambria Math" panose="02040503050406030204" pitchFamily="18" charset="0"/>
+                          </a:rPr>
+                        </m:ctrlPr>
+                      </m:fPr>
+                      <m:num>
+                        <m:r>
+                          <a:rPr lang="en-US" b="0" i="1" smtClean="0">
+                            <a:latin typeface="Cambria Math" panose="02040503050406030204" pitchFamily="18" charset="0"/>
+                          </a:rPr>
+                          <m:t>𝑄</m:t>
+                        </m:r>
+                      </m:num>
+                      <m:den>
+                        <m:r>
+                          <a:rPr lang="en-US" b="0" i="1" smtClean="0">
+                            <a:latin typeface="Cambria Math" panose="02040503050406030204" pitchFamily="18" charset="0"/>
+                          </a:rPr>
+                          <m:t>𝑟</m:t>
+                        </m:r>
+                      </m:den>
+                    </m:f>
+                  </m:oMath>
+                </a14:m>
+                <a:endParaRPr lang="en-US" dirty="0"/>
+              </a:p>
+              <a:p>
+                <a:pPr marL="514350" indent="-514350">
+                  <a:buFont typeface="+mj-lt"/>
+                  <a:buAutoNum type="alphaLcParenR"/>
+                </a:pPr>
                 <a:endParaRPr lang="en-US" dirty="0"/>
               </a:p>
             </p:txBody>
@@ -16584,7 +16832,7 @@
               <a:blipFill>
                 <a:blip r:embed="rId2"/>
                 <a:stretch>
-                  <a:fillRect l="-1926" t="-1752"/>
+                  <a:fillRect l="-1778" t="-1617" r="-1481"/>
                 </a:stretch>
               </a:blipFill>
             </p:spPr>

--- a/Slides/PH223_Lecture_31.pptx
+++ b/Slides/PH223_Lecture_31.pptx
@@ -165,7 +165,7 @@
 <file path=ppt/revisionInfo.xml><?xml version="1.0" encoding="utf-8"?>
 <p1510:revInfo xmlns:a="http://schemas.openxmlformats.org/drawingml/2006/main" xmlns:r="http://schemas.openxmlformats.org/officeDocument/2006/relationships" xmlns:p1510="http://schemas.microsoft.com/office/powerpoint/2015/10/main">
   <p1510:revLst>
-    <p1510:client id="{B7E357F7-A34D-4677-8D90-378655785B69}" v="7" dt="2024-03-05T21:33:26.631"/>
+    <p1510:client id="{5604827E-D9BF-42A9-B95A-73609E366845}" v="2" dt="2024-06-13T16:52:08.051"/>
   </p1510:revLst>
 </p1510:revInfo>
 </file>
@@ -987,6 +987,60 @@
       </pc:sldChg>
     </pc:docChg>
   </pc:docChgLst>
+  <pc:docChgLst>
+    <pc:chgData name="Lines, Todd" userId="afaf7c3a-e8aa-4568-882a-02ad8f9e19b0" providerId="ADAL" clId="{5604827E-D9BF-42A9-B95A-73609E366845}"/>
+    <pc:docChg chg="custSel modSld">
+      <pc:chgData name="Lines, Todd" userId="afaf7c3a-e8aa-4568-882a-02ad8f9e19b0" providerId="ADAL" clId="{5604827E-D9BF-42A9-B95A-73609E366845}" dt="2024-06-13T16:52:08.098" v="10" actId="27636"/>
+      <pc:docMkLst>
+        <pc:docMk/>
+      </pc:docMkLst>
+      <pc:sldChg chg="modSp mod">
+        <pc:chgData name="Lines, Todd" userId="afaf7c3a-e8aa-4568-882a-02ad8f9e19b0" providerId="ADAL" clId="{5604827E-D9BF-42A9-B95A-73609E366845}" dt="2024-06-13T16:51:09.082" v="5"/>
+        <pc:sldMkLst>
+          <pc:docMk/>
+          <pc:sldMk cId="319696023" sldId="1429"/>
+        </pc:sldMkLst>
+        <pc:spChg chg="mod">
+          <ac:chgData name="Lines, Todd" userId="afaf7c3a-e8aa-4568-882a-02ad8f9e19b0" providerId="ADAL" clId="{5604827E-D9BF-42A9-B95A-73609E366845}" dt="2024-06-13T16:51:09.082" v="5"/>
+          <ac:spMkLst>
+            <pc:docMk/>
+            <pc:sldMk cId="319696023" sldId="1429"/>
+            <ac:spMk id="3" creationId="{4203800A-0213-60CE-C570-ED6C86F79060}"/>
+          </ac:spMkLst>
+        </pc:spChg>
+      </pc:sldChg>
+      <pc:sldChg chg="modSp mod">
+        <pc:chgData name="Lines, Todd" userId="afaf7c3a-e8aa-4568-882a-02ad8f9e19b0" providerId="ADAL" clId="{5604827E-D9BF-42A9-B95A-73609E366845}" dt="2024-06-13T16:50:59.824" v="2"/>
+        <pc:sldMkLst>
+          <pc:docMk/>
+          <pc:sldMk cId="3882487717" sldId="1430"/>
+        </pc:sldMkLst>
+        <pc:spChg chg="mod">
+          <ac:chgData name="Lines, Todd" userId="afaf7c3a-e8aa-4568-882a-02ad8f9e19b0" providerId="ADAL" clId="{5604827E-D9BF-42A9-B95A-73609E366845}" dt="2024-06-13T16:50:59.824" v="2"/>
+          <ac:spMkLst>
+            <pc:docMk/>
+            <pc:sldMk cId="3882487717" sldId="1430"/>
+            <ac:spMk id="3" creationId="{4203800A-0213-60CE-C570-ED6C86F79060}"/>
+          </ac:spMkLst>
+        </pc:spChg>
+      </pc:sldChg>
+      <pc:sldChg chg="modSp mod">
+        <pc:chgData name="Lines, Todd" userId="afaf7c3a-e8aa-4568-882a-02ad8f9e19b0" providerId="ADAL" clId="{5604827E-D9BF-42A9-B95A-73609E366845}" dt="2024-06-13T16:52:08.098" v="10" actId="27636"/>
+        <pc:sldMkLst>
+          <pc:docMk/>
+          <pc:sldMk cId="2189063791" sldId="1433"/>
+        </pc:sldMkLst>
+        <pc:spChg chg="mod">
+          <ac:chgData name="Lines, Todd" userId="afaf7c3a-e8aa-4568-882a-02ad8f9e19b0" providerId="ADAL" clId="{5604827E-D9BF-42A9-B95A-73609E366845}" dt="2024-06-13T16:52:08.098" v="10" actId="27636"/>
+          <ac:spMkLst>
+            <pc:docMk/>
+            <pc:sldMk cId="2189063791" sldId="1433"/>
+            <ac:spMk id="3" creationId="{C03A29E2-64E7-2E86-8FF1-750D8978C5F0}"/>
+          </ac:spMkLst>
+        </pc:spChg>
+      </pc:sldChg>
+    </pc:docChg>
+  </pc:docChgLst>
 </pc:chgInfo>
 </file>
 
@@ -1072,7 +1126,7 @@
           <a:p>
             <a:fld id="{DB223F9D-5CD8-4198-9BB2-8E6B4B01C6CF}" type="datetimeFigureOut">
               <a:rPr lang="en-US" smtClean="0"/>
-              <a:t>3/5/2024</a:t>
+              <a:t>6/13/2024</a:t>
             </a:fld>
             <a:endParaRPr lang="en-US"/>
           </a:p>
@@ -2735,7 +2789,7 @@
             <a:fld id="{BEA18E4C-3238-4546-BDEF-7B07C1CB9924}" type="datetimeFigureOut">
               <a:rPr lang="en-US" smtClean="0"/>
               <a:pPr/>
-              <a:t>3/5/2024</a:t>
+              <a:t>6/13/2024</a:t>
             </a:fld>
             <a:endParaRPr lang="en-US"/>
           </a:p>
@@ -2900,7 +2954,7 @@
             <a:fld id="{BEA18E4C-3238-4546-BDEF-7B07C1CB9924}" type="datetimeFigureOut">
               <a:rPr lang="en-US" smtClean="0"/>
               <a:pPr/>
-              <a:t>3/5/2024</a:t>
+              <a:t>6/13/2024</a:t>
             </a:fld>
             <a:endParaRPr lang="en-US"/>
           </a:p>
@@ -3075,7 +3129,7 @@
             <a:fld id="{BEA18E4C-3238-4546-BDEF-7B07C1CB9924}" type="datetimeFigureOut">
               <a:rPr lang="en-US" smtClean="0"/>
               <a:pPr/>
-              <a:t>3/5/2024</a:t>
+              <a:t>6/13/2024</a:t>
             </a:fld>
             <a:endParaRPr lang="en-US"/>
           </a:p>
@@ -3240,7 +3294,7 @@
             <a:fld id="{BEA18E4C-3238-4546-BDEF-7B07C1CB9924}" type="datetimeFigureOut">
               <a:rPr lang="en-US" smtClean="0"/>
               <a:pPr/>
-              <a:t>3/5/2024</a:t>
+              <a:t>6/13/2024</a:t>
             </a:fld>
             <a:endParaRPr lang="en-US"/>
           </a:p>
@@ -3482,7 +3536,7 @@
             <a:fld id="{BEA18E4C-3238-4546-BDEF-7B07C1CB9924}" type="datetimeFigureOut">
               <a:rPr lang="en-US" smtClean="0"/>
               <a:pPr/>
-              <a:t>3/5/2024</a:t>
+              <a:t>6/13/2024</a:t>
             </a:fld>
             <a:endParaRPr lang="en-US"/>
           </a:p>
@@ -3764,7 +3818,7 @@
             <a:fld id="{BEA18E4C-3238-4546-BDEF-7B07C1CB9924}" type="datetimeFigureOut">
               <a:rPr lang="en-US" smtClean="0"/>
               <a:pPr/>
-              <a:t>3/5/2024</a:t>
+              <a:t>6/13/2024</a:t>
             </a:fld>
             <a:endParaRPr lang="en-US"/>
           </a:p>
@@ -4180,7 +4234,7 @@
             <a:fld id="{BEA18E4C-3238-4546-BDEF-7B07C1CB9924}" type="datetimeFigureOut">
               <a:rPr lang="en-US" smtClean="0"/>
               <a:pPr/>
-              <a:t>3/5/2024</a:t>
+              <a:t>6/13/2024</a:t>
             </a:fld>
             <a:endParaRPr lang="en-US"/>
           </a:p>
@@ -4294,7 +4348,7 @@
             <a:fld id="{BEA18E4C-3238-4546-BDEF-7B07C1CB9924}" type="datetimeFigureOut">
               <a:rPr lang="en-US" smtClean="0"/>
               <a:pPr/>
-              <a:t>3/5/2024</a:t>
+              <a:t>6/13/2024</a:t>
             </a:fld>
             <a:endParaRPr lang="en-US"/>
           </a:p>
@@ -4386,7 +4440,7 @@
             <a:fld id="{BEA18E4C-3238-4546-BDEF-7B07C1CB9924}" type="datetimeFigureOut">
               <a:rPr lang="en-US" smtClean="0"/>
               <a:pPr/>
-              <a:t>3/5/2024</a:t>
+              <a:t>6/13/2024</a:t>
             </a:fld>
             <a:endParaRPr lang="en-US"/>
           </a:p>
@@ -4658,7 +4712,7 @@
             <a:fld id="{BEA18E4C-3238-4546-BDEF-7B07C1CB9924}" type="datetimeFigureOut">
               <a:rPr lang="en-US" smtClean="0"/>
               <a:pPr/>
-              <a:t>3/5/2024</a:t>
+              <a:t>6/13/2024</a:t>
             </a:fld>
             <a:endParaRPr lang="en-US"/>
           </a:p>
@@ -4907,7 +4961,7 @@
             <a:fld id="{BEA18E4C-3238-4546-BDEF-7B07C1CB9924}" type="datetimeFigureOut">
               <a:rPr lang="en-US" smtClean="0"/>
               <a:pPr/>
-              <a:t>3/5/2024</a:t>
+              <a:t>6/13/2024</a:t>
             </a:fld>
             <a:endParaRPr lang="en-US"/>
           </a:p>
@@ -5115,7 +5169,7 @@
             <a:fld id="{BEA18E4C-3238-4546-BDEF-7B07C1CB9924}" type="datetimeFigureOut">
               <a:rPr lang="en-US" smtClean="0"/>
               <a:pPr/>
-              <a:t>3/5/2024</a:t>
+              <a:t>6/13/2024</a:t>
             </a:fld>
             <a:endParaRPr lang="en-US"/>
           </a:p>
@@ -7018,8 +7072,8 @@
           </a:p>
         </p:txBody>
       </p:sp>
-      <mc:AlternateContent xmlns:mc="http://schemas.openxmlformats.org/markup-compatibility/2006" xmlns:a14="http://schemas.microsoft.com/office/drawing/2010/main">
-        <mc:Choice Requires="a14">
+      <mc:AlternateContent xmlns:mc="http://schemas.openxmlformats.org/markup-compatibility/2006">
+        <mc:Choice xmlns:a14="http://schemas.microsoft.com/office/drawing/2010/main" Requires="a14">
           <p:sp>
             <p:nvSpPr>
               <p:cNvPr id="3" name="Content Placeholder 2">
@@ -7048,7 +7102,43 @@
                 </a:pPr>
                 <a:r>
                   <a:rPr lang="en-US" dirty="0"/>
-                  <a:t>Suppose we wish to charge up a spherical electrode of radius R until it has a particular voltage, V. How much charge should we put on the electrode?</a:t>
+                  <a:t>Suppose we wish to charge up a spherical electrode of radius R until it has a particular voltage, </a:t>
+                </a:r>
+                <a14:m>
+                  <m:oMath xmlns:m="http://schemas.openxmlformats.org/officeDocument/2006/math">
+                    <m:sSub>
+                      <m:sSubPr>
+                        <m:ctrlPr>
+                          <a:rPr lang="en-US" b="0" i="1" smtClean="0">
+                            <a:latin typeface="Cambria Math" panose="02040503050406030204" pitchFamily="18" charset="0"/>
+                            <a:ea typeface="Cambria Math" panose="02040503050406030204" pitchFamily="18" charset="0"/>
+                          </a:rPr>
+                        </m:ctrlPr>
+                      </m:sSubPr>
+                      <m:e>
+                        <m:r>
+                          <a:rPr lang="en-US" b="0" i="1" smtClean="0">
+                            <a:latin typeface="Cambria Math" panose="02040503050406030204" pitchFamily="18" charset="0"/>
+                            <a:ea typeface="Cambria Math" panose="02040503050406030204" pitchFamily="18" charset="0"/>
+                          </a:rPr>
+                          <m:t>𝑉</m:t>
+                        </m:r>
+                      </m:e>
+                      <m:sub>
+                        <m:r>
+                          <a:rPr lang="en-US" b="0" i="1" smtClean="0">
+                            <a:latin typeface="Cambria Math" panose="02040503050406030204" pitchFamily="18" charset="0"/>
+                            <a:ea typeface="Cambria Math" panose="02040503050406030204" pitchFamily="18" charset="0"/>
+                          </a:rPr>
+                          <m:t>𝑜</m:t>
+                        </m:r>
+                      </m:sub>
+                    </m:sSub>
+                  </m:oMath>
+                </a14:m>
+                <a:r>
+                  <a:rPr lang="en-US" dirty="0"/>
+                  <a:t>. How much charge should we put on the electrode?</a:t>
                 </a:r>
               </a:p>
               <a:p>
@@ -7058,8 +7148,47 @@
                 </a:pPr>
                 <a:r>
                   <a:rPr lang="en-US" dirty="0"/>
-                  <a:t> Ed/V</a:t>
+                  <a:t> Ed/</a:t>
                 </a:r>
+                <a:r>
+                  <a:rPr lang="en-US" b="0" dirty="0">
+                    <a:ea typeface="Cambria Math" panose="02040503050406030204" pitchFamily="18" charset="0"/>
+                  </a:rPr>
+                  <a:t> </a:t>
+                </a:r>
+                <a14:m>
+                  <m:oMath xmlns:m="http://schemas.openxmlformats.org/officeDocument/2006/math">
+                    <m:sSub>
+                      <m:sSubPr>
+                        <m:ctrlPr>
+                          <a:rPr lang="en-US" b="0" i="1" smtClean="0">
+                            <a:latin typeface="Cambria Math" panose="02040503050406030204" pitchFamily="18" charset="0"/>
+                            <a:ea typeface="Cambria Math" panose="02040503050406030204" pitchFamily="18" charset="0"/>
+                          </a:rPr>
+                        </m:ctrlPr>
+                      </m:sSubPr>
+                      <m:e>
+                        <m:r>
+                          <a:rPr lang="en-US" b="0" i="1" smtClean="0">
+                            <a:latin typeface="Cambria Math" panose="02040503050406030204" pitchFamily="18" charset="0"/>
+                            <a:ea typeface="Cambria Math" panose="02040503050406030204" pitchFamily="18" charset="0"/>
+                          </a:rPr>
+                          <m:t>𝑉</m:t>
+                        </m:r>
+                      </m:e>
+                      <m:sub>
+                        <m:r>
+                          <a:rPr lang="en-US" b="0" i="1" smtClean="0">
+                            <a:latin typeface="Cambria Math" panose="02040503050406030204" pitchFamily="18" charset="0"/>
+                            <a:ea typeface="Cambria Math" panose="02040503050406030204" pitchFamily="18" charset="0"/>
+                          </a:rPr>
+                          <m:t>𝑜</m:t>
+                        </m:r>
+                      </m:sub>
+                    </m:sSub>
+                  </m:oMath>
+                </a14:m>
+                <a:endParaRPr lang="en-US" dirty="0"/>
               </a:p>
               <a:p>
                 <a:pPr marL="514350" indent="-514350">
@@ -7238,7 +7367,7 @@
             </p:txBody>
           </p:sp>
         </mc:Choice>
-        <mc:Fallback xmlns="">
+        <mc:Fallback>
           <p:sp>
             <p:nvSpPr>
               <p:cNvPr id="3" name="Content Placeholder 2">
@@ -7259,7 +7388,7 @@
               <a:blipFill>
                 <a:blip r:embed="rId2"/>
                 <a:stretch>
-                  <a:fillRect l="-1926" t="-2830"/>
+                  <a:fillRect l="-1926" t="-2830" r="-1037"/>
                 </a:stretch>
               </a:blipFill>
             </p:spPr>
@@ -9338,7 +9467,13 @@
                 </a:r>
                 <a:r>
                   <a:rPr lang="en-US" dirty="0" err="1"/>
-                  <a:t>Ed</a:t>
+                  <a:t>E</a:t>
+                </a:r>
+                <a:r>
+                  <a:rPr lang="en-US" dirty="0" err="1">
+                    <a:sym typeface="Symbol" panose="05050102010706020507" pitchFamily="18" charset="2"/>
+                  </a:rPr>
+                  <a:t>x</a:t>
                 </a:r>
                 <a:endParaRPr lang="en-US" dirty="0"/>
               </a:p>
@@ -9349,8 +9484,19 @@
                 </a:pPr>
                 <a:r>
                   <a:rPr lang="en-US" dirty="0"/>
-                  <a:t> Ed</a:t>
+                  <a:t> </a:t>
                 </a:r>
+                <a:r>
+                  <a:rPr lang="en-US" dirty="0" err="1"/>
+                  <a:t>E</a:t>
+                </a:r>
+                <a:r>
+                  <a:rPr lang="en-US" dirty="0" err="1">
+                    <a:sym typeface="Symbol" panose="05050102010706020507" pitchFamily="18" charset="2"/>
+                  </a:rPr>
+                  <a:t>x</a:t>
+                </a:r>
+                <a:endParaRPr lang="en-US" dirty="0"/>
               </a:p>
               <a:p>
                 <a:pPr marL="514350" indent="-514350">
@@ -16468,7 +16614,13 @@
                 </a:r>
                 <a:r>
                   <a:rPr lang="en-US" dirty="0" err="1"/>
-                  <a:t>Ed</a:t>
+                  <a:t>E</a:t>
+                </a:r>
+                <a:r>
+                  <a:rPr lang="en-US" dirty="0" err="1">
+                    <a:sym typeface="Symbol" panose="05050102010706020507" pitchFamily="18" charset="2"/>
+                  </a:rPr>
+                  <a:t>x</a:t>
                 </a:r>
                 <a:endParaRPr lang="en-US" dirty="0"/>
               </a:p>
@@ -16479,8 +16631,19 @@
                 </a:pPr>
                 <a:r>
                   <a:rPr lang="en-US" dirty="0"/>
-                  <a:t> Ed</a:t>
+                  <a:t> </a:t>
                 </a:r>
+                <a:r>
+                  <a:rPr lang="en-US" dirty="0" err="1"/>
+                  <a:t>E</a:t>
+                </a:r>
+                <a:r>
+                  <a:rPr lang="en-US" dirty="0" err="1">
+                    <a:sym typeface="Symbol" panose="05050102010706020507" pitchFamily="18" charset="2"/>
+                  </a:rPr>
+                  <a:t>x</a:t>
+                </a:r>
+                <a:endParaRPr lang="en-US" dirty="0"/>
               </a:p>
               <a:p>
                 <a:pPr marL="514350" indent="-514350">
